--- a/weekly_meeting/运通汇周例会2017-8-1.pptx
+++ b/weekly_meeting/运通汇周例会2017-8-1.pptx
@@ -110,7 +110,16 @@
       </a:defRPr>
     </a:lvl9pPr>
   </p:defaultTextStyle>
+  <p:extLst>
+    <p:ext uri="{EFAFB233-063F-42B5-8137-9DF3F51BA10A}">
+      <p15:sldGuideLst xmlns:p15="http://schemas.microsoft.com/office/powerpoint/2012/main"/>
+    </p:ext>
+  </p:extLst>
 </p:presentation>
+</file>
+
+<file path=ppt/revisionInfo.xml><?xml version="1.0" encoding="utf-8"?>
+<p1510:revInfo xmlns:a="http://schemas.openxmlformats.org/drawingml/2006/main" xmlns:r="http://schemas.openxmlformats.org/officeDocument/2006/relationships" xmlns:p1510="http://schemas.microsoft.com/office/powerpoint/2015/10/main"/>
 </file>
 
 <file path=ppt/notesMasters/notesMaster1.xml><?xml version="1.0" encoding="utf-8"?>
@@ -195,7 +204,7 @@
           <a:p>
             <a:fld id="{DC62D0D2-FE72-0F4F-B11C-8A052E31E3F0}" type="datetimeFigureOut">
               <a:rPr lang="en-US" smtClean="0"/>
-              <a:t>7/31/17</a:t>
+              <a:t>8/1/2017</a:t>
             </a:fld>
             <a:endParaRPr lang="en-US"/>
           </a:p>
@@ -259,38 +268,37 @@
           <a:p>
             <a:pPr lvl="0"/>
             <a:r>
-              <a:rPr lang="en-US" smtClean="0"/>
+              <a:rPr lang="en-US"/>
               <a:t>Click to edit Master text styles</a:t>
             </a:r>
           </a:p>
           <a:p>
             <a:pPr lvl="1"/>
             <a:r>
-              <a:rPr lang="en-US" smtClean="0"/>
+              <a:rPr lang="en-US"/>
               <a:t>Second level</a:t>
             </a:r>
           </a:p>
           <a:p>
             <a:pPr lvl="2"/>
             <a:r>
-              <a:rPr lang="en-US" smtClean="0"/>
+              <a:rPr lang="en-US"/>
               <a:t>Third level</a:t>
             </a:r>
           </a:p>
           <a:p>
             <a:pPr lvl="3"/>
             <a:r>
-              <a:rPr lang="en-US" smtClean="0"/>
+              <a:rPr lang="en-US"/>
               <a:t>Fourth level</a:t>
             </a:r>
           </a:p>
           <a:p>
             <a:pPr lvl="4"/>
             <a:r>
-              <a:rPr lang="en-US" smtClean="0"/>
+              <a:rPr lang="en-US"/>
               <a:t>Fifth level</a:t>
             </a:r>
-            <a:endParaRPr lang="en-US"/>
           </a:p>
         </p:txBody>
       </p:sp>
@@ -537,7 +545,7 @@
           </a:lstStyle>
           <a:p>
             <a:r>
-              <a:rPr lang="en-US" smtClean="0"/>
+              <a:rPr lang="en-US"/>
               <a:t>Click to edit Master title style</a:t>
             </a:r>
             <a:endParaRPr lang="en-US" dirty="0"/>
@@ -610,7 +618,7 @@
           </a:lstStyle>
           <a:p>
             <a:r>
-              <a:rPr lang="en-US" smtClean="0"/>
+              <a:rPr lang="en-US"/>
               <a:t>Click to edit Master subtitle style</a:t>
             </a:r>
             <a:endParaRPr lang="en-US" dirty="0"/>
@@ -634,7 +642,7 @@
           <a:p>
             <a:fld id="{48A87A34-81AB-432B-8DAE-1953F412C126}" type="datetimeFigureOut">
               <a:rPr lang="en-US" dirty="0"/>
-              <a:t>7/31/17</a:t>
+              <a:t>8/1/2017</a:t>
             </a:fld>
             <a:endParaRPr lang="en-US" dirty="0"/>
           </a:p>
@@ -762,7 +770,7 @@
           </a:lstStyle>
           <a:p>
             <a:r>
-              <a:rPr lang="en-US" smtClean="0"/>
+              <a:rPr lang="en-US"/>
               <a:t>Click to edit Master title style</a:t>
             </a:r>
             <a:endParaRPr lang="en-US" dirty="0"/>
@@ -852,7 +860,7 @@
           </a:lstStyle>
           <a:p>
             <a:r>
-              <a:rPr lang="en-US" smtClean="0"/>
+              <a:rPr lang="en-US"/>
               <a:t>Drag picture to placeholder or click icon to add</a:t>
             </a:r>
             <a:endParaRPr lang="en-US" dirty="0"/>
@@ -918,7 +926,7 @@
           <a:p>
             <a:pPr lvl="0"/>
             <a:r>
-              <a:rPr lang="en-US" smtClean="0"/>
+              <a:rPr lang="en-US"/>
               <a:t>Click to edit Master text styles</a:t>
             </a:r>
           </a:p>
@@ -941,7 +949,7 @@
           <a:p>
             <a:fld id="{48A87A34-81AB-432B-8DAE-1953F412C126}" type="datetimeFigureOut">
               <a:rPr lang="en-US" dirty="0"/>
-              <a:t>7/31/17</a:t>
+              <a:t>8/1/2017</a:t>
             </a:fld>
             <a:endParaRPr lang="en-US" dirty="0"/>
           </a:p>
@@ -1069,7 +1077,7 @@
           </a:lstStyle>
           <a:p>
             <a:r>
-              <a:rPr lang="en-US" smtClean="0"/>
+              <a:rPr lang="en-US"/>
               <a:t>Click to edit Master title style</a:t>
             </a:r>
             <a:endParaRPr lang="en-US" dirty="0"/>
@@ -1135,7 +1143,7 @@
           <a:p>
             <a:pPr lvl="0"/>
             <a:r>
-              <a:rPr lang="en-US" smtClean="0"/>
+              <a:rPr lang="en-US"/>
               <a:t>Click to edit Master text styles</a:t>
             </a:r>
           </a:p>
@@ -1158,7 +1166,7 @@
           <a:p>
             <a:fld id="{48A87A34-81AB-432B-8DAE-1953F412C126}" type="datetimeFigureOut">
               <a:rPr lang="en-US" dirty="0"/>
-              <a:t>7/31/17</a:t>
+              <a:t>8/1/2017</a:t>
             </a:fld>
             <a:endParaRPr lang="en-US" dirty="0"/>
           </a:p>
@@ -1286,7 +1294,7 @@
           </a:lstStyle>
           <a:p>
             <a:r>
-              <a:rPr lang="en-US" smtClean="0"/>
+              <a:rPr lang="en-US"/>
               <a:t>Click to edit Master title style</a:t>
             </a:r>
             <a:endParaRPr lang="en-US" dirty="0"/>
@@ -1354,7 +1362,7 @@
           <a:p>
             <a:pPr lvl="0"/>
             <a:r>
-              <a:rPr lang="en-US" smtClean="0"/>
+              <a:rPr lang="en-US"/>
               <a:t>Click to edit Master text styles</a:t>
             </a:r>
           </a:p>
@@ -1421,7 +1429,7 @@
           <a:p>
             <a:pPr lvl="0"/>
             <a:r>
-              <a:rPr lang="en-US" smtClean="0"/>
+              <a:rPr lang="en-US"/>
               <a:t>Click to edit Master text styles</a:t>
             </a:r>
           </a:p>
@@ -1444,7 +1452,7 @@
           <a:p>
             <a:fld id="{48A87A34-81AB-432B-8DAE-1953F412C126}" type="datetimeFigureOut">
               <a:rPr lang="en-US" dirty="0"/>
-              <a:t>7/31/17</a:t>
+              <a:t>8/1/2017</a:t>
             </a:fld>
             <a:endParaRPr lang="en-US" dirty="0"/>
           </a:p>
@@ -1804,7 +1812,7 @@
           </a:lstStyle>
           <a:p>
             <a:r>
-              <a:rPr lang="en-US" smtClean="0"/>
+              <a:rPr lang="en-US"/>
               <a:t>Click to edit Master title style</a:t>
             </a:r>
             <a:endParaRPr lang="en-US" dirty="0"/>
@@ -1870,7 +1878,7 @@
           <a:p>
             <a:pPr lvl="0"/>
             <a:r>
-              <a:rPr lang="en-US" smtClean="0"/>
+              <a:rPr lang="en-US"/>
               <a:t>Click to edit Master text styles</a:t>
             </a:r>
           </a:p>
@@ -1893,7 +1901,7 @@
           <a:p>
             <a:fld id="{48A87A34-81AB-432B-8DAE-1953F412C126}" type="datetimeFigureOut">
               <a:rPr lang="en-US" dirty="0"/>
-              <a:t>7/31/17</a:t>
+              <a:t>8/1/2017</a:t>
             </a:fld>
             <a:endParaRPr lang="en-US" dirty="0"/>
           </a:p>
@@ -2017,7 +2025,7 @@
           <a:lstStyle/>
           <a:p>
             <a:r>
-              <a:rPr lang="en-US" smtClean="0"/>
+              <a:rPr lang="en-US"/>
               <a:t>Click to edit Master title style</a:t>
             </a:r>
             <a:endParaRPr lang="en-US" dirty="0"/>
@@ -2092,7 +2100,7 @@
           <a:p>
             <a:pPr lvl="0"/>
             <a:r>
-              <a:rPr lang="en-US" smtClean="0"/>
+              <a:rPr lang="en-US"/>
               <a:t>Click to edit Master text styles</a:t>
             </a:r>
           </a:p>
@@ -2159,7 +2167,7 @@
           <a:p>
             <a:pPr lvl="0"/>
             <a:r>
-              <a:rPr lang="en-US" smtClean="0"/>
+              <a:rPr lang="en-US"/>
               <a:t>Click to edit Master text styles</a:t>
             </a:r>
           </a:p>
@@ -2233,7 +2241,7 @@
           <a:p>
             <a:pPr lvl="0"/>
             <a:r>
-              <a:rPr lang="en-US" smtClean="0"/>
+              <a:rPr lang="en-US"/>
               <a:t>Click to edit Master text styles</a:t>
             </a:r>
           </a:p>
@@ -2300,7 +2308,7 @@
           <a:p>
             <a:pPr lvl="0"/>
             <a:r>
-              <a:rPr lang="en-US" smtClean="0"/>
+              <a:rPr lang="en-US"/>
               <a:t>Click to edit Master text styles</a:t>
             </a:r>
           </a:p>
@@ -2374,7 +2382,7 @@
           <a:p>
             <a:pPr lvl="0"/>
             <a:r>
-              <a:rPr lang="en-US" smtClean="0"/>
+              <a:rPr lang="en-US"/>
               <a:t>Click to edit Master text styles</a:t>
             </a:r>
           </a:p>
@@ -2441,7 +2449,7 @@
           <a:p>
             <a:pPr lvl="0"/>
             <a:r>
-              <a:rPr lang="en-US" smtClean="0"/>
+              <a:rPr lang="en-US"/>
               <a:t>Click to edit Master text styles</a:t>
             </a:r>
           </a:p>
@@ -2464,7 +2472,7 @@
           <a:p>
             <a:fld id="{48A87A34-81AB-432B-8DAE-1953F412C126}" type="datetimeFigureOut">
               <a:rPr lang="en-US" dirty="0"/>
-              <a:t>7/31/17</a:t>
+              <a:t>8/1/2017</a:t>
             </a:fld>
             <a:endParaRPr lang="en-US" dirty="0"/>
           </a:p>
@@ -2588,7 +2596,7 @@
           <a:lstStyle/>
           <a:p>
             <a:r>
-              <a:rPr lang="en-US" smtClean="0"/>
+              <a:rPr lang="en-US"/>
               <a:t>Click to edit Master title style</a:t>
             </a:r>
             <a:endParaRPr lang="en-US" dirty="0"/>
@@ -2663,7 +2671,7 @@
           <a:p>
             <a:pPr lvl="0"/>
             <a:r>
-              <a:rPr lang="en-US" smtClean="0"/>
+              <a:rPr lang="en-US"/>
               <a:t>Click to edit Master text styles</a:t>
             </a:r>
           </a:p>
@@ -2754,7 +2762,7 @@
           </a:lstStyle>
           <a:p>
             <a:r>
-              <a:rPr lang="en-US" smtClean="0"/>
+              <a:rPr lang="en-US"/>
               <a:t>Drag picture to placeholder or click icon to add</a:t>
             </a:r>
             <a:endParaRPr lang="en-US" dirty="0"/>
@@ -2822,7 +2830,7 @@
           <a:p>
             <a:pPr lvl="0"/>
             <a:r>
-              <a:rPr lang="en-US" smtClean="0"/>
+              <a:rPr lang="en-US"/>
               <a:t>Click to edit Master text styles</a:t>
             </a:r>
           </a:p>
@@ -2896,7 +2904,7 @@
           <a:p>
             <a:pPr lvl="0"/>
             <a:r>
-              <a:rPr lang="en-US" smtClean="0"/>
+              <a:rPr lang="en-US"/>
               <a:t>Click to edit Master text styles</a:t>
             </a:r>
           </a:p>
@@ -2987,7 +2995,7 @@
           </a:lstStyle>
           <a:p>
             <a:r>
-              <a:rPr lang="en-US" smtClean="0"/>
+              <a:rPr lang="en-US"/>
               <a:t>Drag picture to placeholder or click icon to add</a:t>
             </a:r>
             <a:endParaRPr lang="en-US" dirty="0"/>
@@ -3055,7 +3063,7 @@
           <a:p>
             <a:pPr lvl="0"/>
             <a:r>
-              <a:rPr lang="en-US" smtClean="0"/>
+              <a:rPr lang="en-US"/>
               <a:t>Click to edit Master text styles</a:t>
             </a:r>
           </a:p>
@@ -3129,7 +3137,7 @@
           <a:p>
             <a:pPr lvl="0"/>
             <a:r>
-              <a:rPr lang="en-US" smtClean="0"/>
+              <a:rPr lang="en-US"/>
               <a:t>Click to edit Master text styles</a:t>
             </a:r>
           </a:p>
@@ -3220,7 +3228,7 @@
           </a:lstStyle>
           <a:p>
             <a:r>
-              <a:rPr lang="en-US" smtClean="0"/>
+              <a:rPr lang="en-US"/>
               <a:t>Drag picture to placeholder or click icon to add</a:t>
             </a:r>
             <a:endParaRPr lang="en-US" dirty="0"/>
@@ -3288,7 +3296,7 @@
           <a:p>
             <a:pPr lvl="0"/>
             <a:r>
-              <a:rPr lang="en-US" smtClean="0"/>
+              <a:rPr lang="en-US"/>
               <a:t>Click to edit Master text styles</a:t>
             </a:r>
           </a:p>
@@ -3311,7 +3319,7 @@
           <a:p>
             <a:fld id="{48A87A34-81AB-432B-8DAE-1953F412C126}" type="datetimeFigureOut">
               <a:rPr lang="en-US" dirty="0"/>
-              <a:t>7/31/17</a:t>
+              <a:t>8/1/2017</a:t>
             </a:fld>
             <a:endParaRPr lang="en-US" dirty="0"/>
           </a:p>
@@ -3430,7 +3438,7 @@
           <a:lstStyle/>
           <a:p>
             <a:r>
-              <a:rPr lang="en-US" smtClean="0"/>
+              <a:rPr lang="en-US"/>
               <a:t>Click to edit Master title style</a:t>
             </a:r>
             <a:endParaRPr lang="en-US" dirty="0"/>
@@ -3459,35 +3467,35 @@
           <a:p>
             <a:pPr lvl="0"/>
             <a:r>
-              <a:rPr lang="en-US" smtClean="0"/>
+              <a:rPr lang="en-US"/>
               <a:t>Click to edit Master text styles</a:t>
             </a:r>
           </a:p>
           <a:p>
             <a:pPr lvl="1"/>
             <a:r>
-              <a:rPr lang="en-US" smtClean="0"/>
+              <a:rPr lang="en-US"/>
               <a:t>Second level</a:t>
             </a:r>
           </a:p>
           <a:p>
             <a:pPr lvl="2"/>
             <a:r>
-              <a:rPr lang="en-US" smtClean="0"/>
+              <a:rPr lang="en-US"/>
               <a:t>Third level</a:t>
             </a:r>
           </a:p>
           <a:p>
             <a:pPr lvl="3"/>
             <a:r>
-              <a:rPr lang="en-US" smtClean="0"/>
+              <a:rPr lang="en-US"/>
               <a:t>Fourth level</a:t>
             </a:r>
           </a:p>
           <a:p>
             <a:pPr lvl="4"/>
             <a:r>
-              <a:rPr lang="en-US" smtClean="0"/>
+              <a:rPr lang="en-US"/>
               <a:t>Fifth level</a:t>
             </a:r>
             <a:endParaRPr lang="en-US" dirty="0"/>
@@ -3511,7 +3519,7 @@
           <a:p>
             <a:fld id="{48A87A34-81AB-432B-8DAE-1953F412C126}" type="datetimeFigureOut">
               <a:rPr lang="en-US" dirty="0"/>
-              <a:t>7/31/17</a:t>
+              <a:t>8/1/2017</a:t>
             </a:fld>
             <a:endParaRPr lang="en-US" dirty="0"/>
           </a:p>
@@ -3639,7 +3647,7 @@
           </a:lstStyle>
           <a:p>
             <a:r>
-              <a:rPr lang="en-US" smtClean="0"/>
+              <a:rPr lang="en-US"/>
               <a:t>Click to edit Master title style</a:t>
             </a:r>
             <a:endParaRPr lang="en-US" dirty="0"/>
@@ -3668,35 +3676,35 @@
           <a:p>
             <a:pPr lvl="0"/>
             <a:r>
-              <a:rPr lang="en-US" smtClean="0"/>
+              <a:rPr lang="en-US"/>
               <a:t>Click to edit Master text styles</a:t>
             </a:r>
           </a:p>
           <a:p>
             <a:pPr lvl="1"/>
             <a:r>
-              <a:rPr lang="en-US" smtClean="0"/>
+              <a:rPr lang="en-US"/>
               <a:t>Second level</a:t>
             </a:r>
           </a:p>
           <a:p>
             <a:pPr lvl="2"/>
             <a:r>
-              <a:rPr lang="en-US" smtClean="0"/>
+              <a:rPr lang="en-US"/>
               <a:t>Third level</a:t>
             </a:r>
           </a:p>
           <a:p>
             <a:pPr lvl="3"/>
             <a:r>
-              <a:rPr lang="en-US" smtClean="0"/>
+              <a:rPr lang="en-US"/>
               <a:t>Fourth level</a:t>
             </a:r>
           </a:p>
           <a:p>
             <a:pPr lvl="4"/>
             <a:r>
-              <a:rPr lang="en-US" smtClean="0"/>
+              <a:rPr lang="en-US"/>
               <a:t>Fifth level</a:t>
             </a:r>
             <a:endParaRPr lang="en-US" dirty="0"/>
@@ -3720,7 +3728,7 @@
           <a:p>
             <a:fld id="{48A87A34-81AB-432B-8DAE-1953F412C126}" type="datetimeFigureOut">
               <a:rPr lang="en-US" dirty="0"/>
-              <a:t>7/31/17</a:t>
+              <a:t>8/1/2017</a:t>
             </a:fld>
             <a:endParaRPr lang="en-US" dirty="0"/>
           </a:p>
@@ -3839,7 +3847,7 @@
           <a:lstStyle/>
           <a:p>
             <a:r>
-              <a:rPr lang="en-US" smtClean="0"/>
+              <a:rPr lang="en-US"/>
               <a:t>Click to edit Master title style</a:t>
             </a:r>
             <a:endParaRPr lang="en-US" dirty="0"/>
@@ -3868,35 +3876,35 @@
           <a:p>
             <a:pPr lvl="0"/>
             <a:r>
-              <a:rPr lang="en-US" smtClean="0"/>
+              <a:rPr lang="en-US"/>
               <a:t>Click to edit Master text styles</a:t>
             </a:r>
           </a:p>
           <a:p>
             <a:pPr lvl="1"/>
             <a:r>
-              <a:rPr lang="en-US" smtClean="0"/>
+              <a:rPr lang="en-US"/>
               <a:t>Second level</a:t>
             </a:r>
           </a:p>
           <a:p>
             <a:pPr lvl="2"/>
             <a:r>
-              <a:rPr lang="en-US" smtClean="0"/>
+              <a:rPr lang="en-US"/>
               <a:t>Third level</a:t>
             </a:r>
           </a:p>
           <a:p>
             <a:pPr lvl="3"/>
             <a:r>
-              <a:rPr lang="en-US" smtClean="0"/>
+              <a:rPr lang="en-US"/>
               <a:t>Fourth level</a:t>
             </a:r>
           </a:p>
           <a:p>
             <a:pPr lvl="4"/>
             <a:r>
-              <a:rPr lang="en-US" smtClean="0"/>
+              <a:rPr lang="en-US"/>
               <a:t>Fifth level</a:t>
             </a:r>
             <a:endParaRPr lang="en-US" dirty="0"/>
@@ -3920,7 +3928,7 @@
           <a:p>
             <a:fld id="{48A87A34-81AB-432B-8DAE-1953F412C126}" type="datetimeFigureOut">
               <a:rPr lang="en-US" dirty="0"/>
-              <a:t>7/31/17</a:t>
+              <a:t>8/1/2017</a:t>
             </a:fld>
             <a:endParaRPr lang="en-US" dirty="0"/>
           </a:p>
@@ -4050,7 +4058,7 @@
           </a:lstStyle>
           <a:p>
             <a:r>
-              <a:rPr lang="en-US" smtClean="0"/>
+              <a:rPr lang="en-US"/>
               <a:t>Click to edit Master title style</a:t>
             </a:r>
             <a:endParaRPr lang="en-US" dirty="0"/>
@@ -4172,7 +4180,7 @@
           <a:p>
             <a:pPr lvl="0"/>
             <a:r>
-              <a:rPr lang="en-US" smtClean="0"/>
+              <a:rPr lang="en-US"/>
               <a:t>Click to edit Master text styles</a:t>
             </a:r>
           </a:p>
@@ -4195,7 +4203,7 @@
           <a:p>
             <a:fld id="{48A87A34-81AB-432B-8DAE-1953F412C126}" type="datetimeFigureOut">
               <a:rPr lang="en-US" dirty="0"/>
-              <a:t>7/31/17</a:t>
+              <a:t>8/1/2017</a:t>
             </a:fld>
             <a:endParaRPr lang="en-US" dirty="0"/>
           </a:p>
@@ -4319,7 +4327,7 @@
           <a:lstStyle/>
           <a:p>
             <a:r>
-              <a:rPr lang="en-US" smtClean="0"/>
+              <a:rPr lang="en-US"/>
               <a:t>Click to edit Master title style</a:t>
             </a:r>
             <a:endParaRPr lang="en-US" dirty="0"/>
@@ -4348,35 +4356,35 @@
           <a:p>
             <a:pPr lvl="0"/>
             <a:r>
-              <a:rPr lang="en-US" smtClean="0"/>
+              <a:rPr lang="en-US"/>
               <a:t>Click to edit Master text styles</a:t>
             </a:r>
           </a:p>
           <a:p>
             <a:pPr lvl="1"/>
             <a:r>
-              <a:rPr lang="en-US" smtClean="0"/>
+              <a:rPr lang="en-US"/>
               <a:t>Second level</a:t>
             </a:r>
           </a:p>
           <a:p>
             <a:pPr lvl="2"/>
             <a:r>
-              <a:rPr lang="en-US" smtClean="0"/>
+              <a:rPr lang="en-US"/>
               <a:t>Third level</a:t>
             </a:r>
           </a:p>
           <a:p>
             <a:pPr lvl="3"/>
             <a:r>
-              <a:rPr lang="en-US" smtClean="0"/>
+              <a:rPr lang="en-US"/>
               <a:t>Fourth level</a:t>
             </a:r>
           </a:p>
           <a:p>
             <a:pPr lvl="4"/>
             <a:r>
-              <a:rPr lang="en-US" smtClean="0"/>
+              <a:rPr lang="en-US"/>
               <a:t>Fifth level</a:t>
             </a:r>
             <a:endParaRPr lang="en-US" dirty="0"/>
@@ -4405,35 +4413,35 @@
           <a:p>
             <a:pPr lvl="0"/>
             <a:r>
-              <a:rPr lang="en-US" smtClean="0"/>
+              <a:rPr lang="en-US"/>
               <a:t>Click to edit Master text styles</a:t>
             </a:r>
           </a:p>
           <a:p>
             <a:pPr lvl="1"/>
             <a:r>
-              <a:rPr lang="en-US" smtClean="0"/>
+              <a:rPr lang="en-US"/>
               <a:t>Second level</a:t>
             </a:r>
           </a:p>
           <a:p>
             <a:pPr lvl="2"/>
             <a:r>
-              <a:rPr lang="en-US" smtClean="0"/>
+              <a:rPr lang="en-US"/>
               <a:t>Third level</a:t>
             </a:r>
           </a:p>
           <a:p>
             <a:pPr lvl="3"/>
             <a:r>
-              <a:rPr lang="en-US" smtClean="0"/>
+              <a:rPr lang="en-US"/>
               <a:t>Fourth level</a:t>
             </a:r>
           </a:p>
           <a:p>
             <a:pPr lvl="4"/>
             <a:r>
-              <a:rPr lang="en-US" smtClean="0"/>
+              <a:rPr lang="en-US"/>
               <a:t>Fifth level</a:t>
             </a:r>
             <a:endParaRPr lang="en-US" dirty="0"/>
@@ -4457,7 +4465,7 @@
           <a:p>
             <a:fld id="{48A87A34-81AB-432B-8DAE-1953F412C126}" type="datetimeFigureOut">
               <a:rPr lang="en-US" dirty="0"/>
-              <a:t>7/31/17</a:t>
+              <a:t>8/1/2017</a:t>
             </a:fld>
             <a:endParaRPr lang="en-US" dirty="0"/>
           </a:p>
@@ -4581,7 +4589,7 @@
           <a:lstStyle/>
           <a:p>
             <a:r>
-              <a:rPr lang="en-US" smtClean="0"/>
+              <a:rPr lang="en-US"/>
               <a:t>Click to edit Master title style</a:t>
             </a:r>
             <a:endParaRPr lang="en-US" dirty="0"/>
@@ -4656,7 +4664,7 @@
           <a:p>
             <a:pPr lvl="0"/>
             <a:r>
-              <a:rPr lang="en-US" smtClean="0"/>
+              <a:rPr lang="en-US"/>
               <a:t>Click to edit Master text styles</a:t>
             </a:r>
           </a:p>
@@ -4684,35 +4692,35 @@
           <a:p>
             <a:pPr lvl="0"/>
             <a:r>
-              <a:rPr lang="en-US" smtClean="0"/>
+              <a:rPr lang="en-US"/>
               <a:t>Click to edit Master text styles</a:t>
             </a:r>
           </a:p>
           <a:p>
             <a:pPr lvl="1"/>
             <a:r>
-              <a:rPr lang="en-US" smtClean="0"/>
+              <a:rPr lang="en-US"/>
               <a:t>Second level</a:t>
             </a:r>
           </a:p>
           <a:p>
             <a:pPr lvl="2"/>
             <a:r>
-              <a:rPr lang="en-US" smtClean="0"/>
+              <a:rPr lang="en-US"/>
               <a:t>Third level</a:t>
             </a:r>
           </a:p>
           <a:p>
             <a:pPr lvl="3"/>
             <a:r>
-              <a:rPr lang="en-US" smtClean="0"/>
+              <a:rPr lang="en-US"/>
               <a:t>Fourth level</a:t>
             </a:r>
           </a:p>
           <a:p>
             <a:pPr lvl="4"/>
             <a:r>
-              <a:rPr lang="en-US" smtClean="0"/>
+              <a:rPr lang="en-US"/>
               <a:t>Fifth level</a:t>
             </a:r>
             <a:endParaRPr lang="en-US" dirty="0"/>
@@ -4787,7 +4795,7 @@
           <a:p>
             <a:pPr lvl="0"/>
             <a:r>
-              <a:rPr lang="en-US" smtClean="0"/>
+              <a:rPr lang="en-US"/>
               <a:t>Click to edit Master text styles</a:t>
             </a:r>
           </a:p>
@@ -4815,35 +4823,35 @@
           <a:p>
             <a:pPr lvl="0"/>
             <a:r>
-              <a:rPr lang="en-US" smtClean="0"/>
+              <a:rPr lang="en-US"/>
               <a:t>Click to edit Master text styles</a:t>
             </a:r>
           </a:p>
           <a:p>
             <a:pPr lvl="1"/>
             <a:r>
-              <a:rPr lang="en-US" smtClean="0"/>
+              <a:rPr lang="en-US"/>
               <a:t>Second level</a:t>
             </a:r>
           </a:p>
           <a:p>
             <a:pPr lvl="2"/>
             <a:r>
-              <a:rPr lang="en-US" smtClean="0"/>
+              <a:rPr lang="en-US"/>
               <a:t>Third level</a:t>
             </a:r>
           </a:p>
           <a:p>
             <a:pPr lvl="3"/>
             <a:r>
-              <a:rPr lang="en-US" smtClean="0"/>
+              <a:rPr lang="en-US"/>
               <a:t>Fourth level</a:t>
             </a:r>
           </a:p>
           <a:p>
             <a:pPr lvl="4"/>
             <a:r>
-              <a:rPr lang="en-US" smtClean="0"/>
+              <a:rPr lang="en-US"/>
               <a:t>Fifth level</a:t>
             </a:r>
             <a:endParaRPr lang="en-US" dirty="0"/>
@@ -4867,7 +4875,7 @@
           <a:p>
             <a:fld id="{48A87A34-81AB-432B-8DAE-1953F412C126}" type="datetimeFigureOut">
               <a:rPr lang="en-US" dirty="0"/>
-              <a:t>7/31/17</a:t>
+              <a:t>8/1/2017</a:t>
             </a:fld>
             <a:endParaRPr lang="en-US" dirty="0"/>
           </a:p>
@@ -4986,7 +4994,7 @@
           <a:lstStyle/>
           <a:p>
             <a:r>
-              <a:rPr lang="en-US" smtClean="0"/>
+              <a:rPr lang="en-US"/>
               <a:t>Click to edit Master title style</a:t>
             </a:r>
             <a:endParaRPr lang="en-US" dirty="0"/>
@@ -5010,7 +5018,7 @@
           <a:p>
             <a:fld id="{48A87A34-81AB-432B-8DAE-1953F412C126}" type="datetimeFigureOut">
               <a:rPr lang="en-US" dirty="0"/>
-              <a:t>7/31/17</a:t>
+              <a:t>8/1/2017</a:t>
             </a:fld>
             <a:endParaRPr lang="en-US" dirty="0"/>
           </a:p>
@@ -5130,7 +5138,7 @@
           <a:p>
             <a:fld id="{48A87A34-81AB-432B-8DAE-1953F412C126}" type="datetimeFigureOut">
               <a:rPr lang="en-US" dirty="0"/>
-              <a:t>7/31/17</a:t>
+              <a:t>8/1/2017</a:t>
             </a:fld>
             <a:endParaRPr lang="en-US" dirty="0"/>
           </a:p>
@@ -5258,7 +5266,7 @@
           </a:lstStyle>
           <a:p>
             <a:r>
-              <a:rPr lang="en-US" smtClean="0"/>
+              <a:rPr lang="en-US"/>
               <a:t>Click to edit Master title style</a:t>
             </a:r>
             <a:endParaRPr lang="en-US" dirty="0"/>
@@ -5287,35 +5295,35 @@
           <a:p>
             <a:pPr lvl="0"/>
             <a:r>
-              <a:rPr lang="en-US" smtClean="0"/>
+              <a:rPr lang="en-US"/>
               <a:t>Click to edit Master text styles</a:t>
             </a:r>
           </a:p>
           <a:p>
             <a:pPr lvl="1"/>
             <a:r>
-              <a:rPr lang="en-US" smtClean="0"/>
+              <a:rPr lang="en-US"/>
               <a:t>Second level</a:t>
             </a:r>
           </a:p>
           <a:p>
             <a:pPr lvl="2"/>
             <a:r>
-              <a:rPr lang="en-US" smtClean="0"/>
+              <a:rPr lang="en-US"/>
               <a:t>Third level</a:t>
             </a:r>
           </a:p>
           <a:p>
             <a:pPr lvl="3"/>
             <a:r>
-              <a:rPr lang="en-US" smtClean="0"/>
+              <a:rPr lang="en-US"/>
               <a:t>Fourth level</a:t>
             </a:r>
           </a:p>
           <a:p>
             <a:pPr lvl="4"/>
             <a:r>
-              <a:rPr lang="en-US" smtClean="0"/>
+              <a:rPr lang="en-US"/>
               <a:t>Fifth level</a:t>
             </a:r>
             <a:endParaRPr lang="en-US" dirty="0"/>
@@ -5381,7 +5389,7 @@
           <a:p>
             <a:pPr lvl="0"/>
             <a:r>
-              <a:rPr lang="en-US" smtClean="0"/>
+              <a:rPr lang="en-US"/>
               <a:t>Click to edit Master text styles</a:t>
             </a:r>
           </a:p>
@@ -5404,7 +5412,7 @@
           <a:p>
             <a:fld id="{48A87A34-81AB-432B-8DAE-1953F412C126}" type="datetimeFigureOut">
               <a:rPr lang="en-US" dirty="0"/>
-              <a:t>7/31/17</a:t>
+              <a:t>8/1/2017</a:t>
             </a:fld>
             <a:endParaRPr lang="en-US" dirty="0"/>
           </a:p>
@@ -5532,7 +5540,7 @@
           </a:lstStyle>
           <a:p>
             <a:r>
-              <a:rPr lang="en-US" smtClean="0"/>
+              <a:rPr lang="en-US"/>
               <a:t>Click to edit Master title style</a:t>
             </a:r>
             <a:endParaRPr lang="en-US" dirty="0"/>
@@ -5622,7 +5630,7 @@
           </a:lstStyle>
           <a:p>
             <a:r>
-              <a:rPr lang="en-US" smtClean="0"/>
+              <a:rPr lang="en-US"/>
               <a:t>Drag picture to placeholder or click icon to add</a:t>
             </a:r>
             <a:endParaRPr lang="en-US" dirty="0"/>
@@ -5688,7 +5696,7 @@
           <a:p>
             <a:pPr lvl="0"/>
             <a:r>
-              <a:rPr lang="en-US" smtClean="0"/>
+              <a:rPr lang="en-US"/>
               <a:t>Click to edit Master text styles</a:t>
             </a:r>
           </a:p>
@@ -5711,7 +5719,7 @@
           <a:p>
             <a:fld id="{48A87A34-81AB-432B-8DAE-1953F412C126}" type="datetimeFigureOut">
               <a:rPr lang="en-US" dirty="0"/>
-              <a:t>7/31/17</a:t>
+              <a:t>8/1/2017</a:t>
             </a:fld>
             <a:endParaRPr lang="en-US" dirty="0"/>
           </a:p>
@@ -5857,7 +5865,7 @@
           <a:lstStyle/>
           <a:p>
             <a:r>
-              <a:rPr lang="en-US" smtClean="0"/>
+              <a:rPr lang="en-US"/>
               <a:t>Click to edit Master title style</a:t>
             </a:r>
             <a:endParaRPr lang="en-US" dirty="0"/>
@@ -5891,35 +5899,35 @@
           <a:p>
             <a:pPr lvl="0"/>
             <a:r>
-              <a:rPr lang="en-US" smtClean="0"/>
+              <a:rPr lang="en-US"/>
               <a:t>Click to edit Master text styles</a:t>
             </a:r>
           </a:p>
           <a:p>
             <a:pPr lvl="1"/>
             <a:r>
-              <a:rPr lang="en-US" smtClean="0"/>
+              <a:rPr lang="en-US"/>
               <a:t>Second level</a:t>
             </a:r>
           </a:p>
           <a:p>
             <a:pPr lvl="2"/>
             <a:r>
-              <a:rPr lang="en-US" smtClean="0"/>
+              <a:rPr lang="en-US"/>
               <a:t>Third level</a:t>
             </a:r>
           </a:p>
           <a:p>
             <a:pPr lvl="3"/>
             <a:r>
-              <a:rPr lang="en-US" smtClean="0"/>
+              <a:rPr lang="en-US"/>
               <a:t>Fourth level</a:t>
             </a:r>
           </a:p>
           <a:p>
             <a:pPr lvl="4"/>
             <a:r>
-              <a:rPr lang="en-US" smtClean="0"/>
+              <a:rPr lang="en-US"/>
               <a:t>Fifth level</a:t>
             </a:r>
             <a:endParaRPr lang="en-US" dirty="0"/>
@@ -5960,7 +5968,7 @@
             <a:fld id="{48A87A34-81AB-432B-8DAE-1953F412C126}" type="datetimeFigureOut">
               <a:rPr lang="en-US" dirty="0"/>
               <a:pPr/>
-              <a:t>7/31/17</a:t>
+              <a:t>8/1/2017</a:t>
             </a:fld>
             <a:endParaRPr lang="en-US" dirty="0"/>
           </a:p>
@@ -6416,7 +6424,7 @@
           <a:lstStyle/>
           <a:p>
             <a:r>
-              <a:rPr lang="zh-CN" altLang="en-US" dirty="0" smtClean="0"/>
+              <a:rPr lang="zh-CN" altLang="en-US" dirty="0"/>
               <a:t>运通汇周例会</a:t>
             </a:r>
             <a:endParaRPr lang="en-US" dirty="0"/>
@@ -6439,7 +6447,7 @@
           <a:lstStyle/>
           <a:p>
             <a:r>
-              <a:rPr lang="en-US" altLang="zh-CN" dirty="0" smtClean="0"/>
+              <a:rPr lang="en-US" altLang="zh-CN" dirty="0"/>
               <a:t>2017-8-1</a:t>
             </a:r>
             <a:endParaRPr lang="en-US" dirty="0"/>
@@ -6492,7 +6500,7 @@
           <a:lstStyle/>
           <a:p>
             <a:r>
-              <a:rPr lang="zh-CN" altLang="en-US" dirty="0" smtClean="0"/>
+              <a:rPr lang="zh-CN" altLang="en-US" dirty="0"/>
               <a:t>上周总结</a:t>
             </a:r>
             <a:endParaRPr lang="en-US" dirty="0"/>
@@ -6517,107 +6525,99 @@
           <a:lstStyle/>
           <a:p>
             <a:r>
-              <a:rPr lang="en-US" altLang="zh-CN" dirty="0" smtClean="0"/>
+              <a:rPr lang="en-US" altLang="zh-CN" dirty="0"/>
               <a:t>1</a:t>
             </a:r>
             <a:r>
-              <a:rPr lang="zh-CN" altLang="en-US" dirty="0" smtClean="0"/>
+              <a:rPr lang="zh-CN" altLang="en-US" dirty="0"/>
               <a:t>、对温州欣奥进行上线实施</a:t>
             </a:r>
-            <a:endParaRPr lang="en-US" altLang="zh-CN" dirty="0" smtClean="0"/>
-          </a:p>
-          <a:p>
-            <a:r>
-              <a:rPr lang="en-US" altLang="zh-CN" dirty="0" smtClean="0"/>
+            <a:endParaRPr lang="en-US" altLang="zh-CN" dirty="0"/>
+          </a:p>
+          <a:p>
+            <a:r>
+              <a:rPr lang="en-US" altLang="zh-CN" dirty="0"/>
               <a:t>2</a:t>
             </a:r>
             <a:r>
-              <a:rPr lang="zh-CN" altLang="en-US" dirty="0" smtClean="0"/>
+              <a:rPr lang="zh-CN" altLang="en-US" dirty="0"/>
               <a:t>、对重庆汇捷的会员数据及会员权益导入</a:t>
             </a:r>
-            <a:endParaRPr lang="en-US" altLang="zh-CN" dirty="0" smtClean="0"/>
-          </a:p>
-          <a:p>
-            <a:r>
-              <a:rPr lang="en-US" altLang="zh-CN" dirty="0" smtClean="0"/>
+            <a:endParaRPr lang="en-US" altLang="zh-CN" dirty="0"/>
+          </a:p>
+          <a:p>
+            <a:r>
+              <a:rPr lang="en-US" altLang="zh-CN" dirty="0"/>
               <a:t>3</a:t>
             </a:r>
             <a:r>
-              <a:rPr lang="zh-CN" altLang="en-US" dirty="0" smtClean="0"/>
+              <a:rPr lang="zh-CN" altLang="en-US" dirty="0"/>
               <a:t>、对兴华的会员数据导入</a:t>
             </a:r>
-            <a:endParaRPr lang="en-US" altLang="zh-CN" dirty="0" smtClean="0"/>
-          </a:p>
-          <a:p>
-            <a:r>
-              <a:rPr lang="en-US" altLang="zh-CN" dirty="0" smtClean="0"/>
+            <a:endParaRPr lang="en-US" altLang="zh-CN" dirty="0"/>
+          </a:p>
+          <a:p>
+            <a:r>
+              <a:rPr lang="en-US" altLang="zh-CN" dirty="0"/>
               <a:t>4</a:t>
             </a:r>
             <a:r>
-              <a:rPr lang="zh-CN" altLang="en-US" dirty="0" smtClean="0"/>
+              <a:rPr lang="zh-CN" altLang="en-US" dirty="0"/>
               <a:t>、调整卡券的样式</a:t>
             </a:r>
-            <a:endParaRPr lang="en-US" altLang="zh-CN" dirty="0" smtClean="0"/>
-          </a:p>
-          <a:p>
-            <a:r>
-              <a:rPr lang="en-US" altLang="zh-CN" dirty="0" smtClean="0"/>
+            <a:endParaRPr lang="en-US" altLang="zh-CN" dirty="0"/>
+          </a:p>
+          <a:p>
+            <a:r>
+              <a:rPr lang="en-US" altLang="zh-CN" dirty="0"/>
               <a:t>5</a:t>
             </a:r>
             <a:r>
-              <a:rPr lang="zh-CN" altLang="en-US" dirty="0" smtClean="0"/>
-              <a:t>、和</a:t>
-            </a:r>
-            <a:r>
               <a:rPr lang="zh-CN" altLang="en-US" dirty="0"/>
-              <a:t>卡券售卖金额及卡券抵用抵用券金额的</a:t>
-            </a:r>
-            <a:r>
-              <a:rPr lang="zh-CN" altLang="en-US" dirty="0" smtClean="0"/>
-              <a:t>设置</a:t>
-            </a:r>
-            <a:endParaRPr lang="en-US" altLang="zh-CN" dirty="0" smtClean="0"/>
-          </a:p>
-          <a:p>
-            <a:r>
-              <a:rPr lang="en-US" altLang="zh-CN" dirty="0" smtClean="0"/>
+              <a:t>、和卡券售卖金额及卡券抵用抵用券金额的设置</a:t>
+            </a:r>
+            <a:endParaRPr lang="en-US" altLang="zh-CN" dirty="0"/>
+          </a:p>
+          <a:p>
+            <a:r>
+              <a:rPr lang="en-US" altLang="zh-CN" dirty="0"/>
               <a:t>6</a:t>
             </a:r>
             <a:r>
-              <a:rPr lang="zh-CN" altLang="en-US" dirty="0" smtClean="0"/>
+              <a:rPr lang="zh-CN" altLang="en-US" dirty="0"/>
               <a:t>、增加积分的有效期控制</a:t>
             </a:r>
-            <a:endParaRPr lang="en-US" altLang="zh-CN" dirty="0" smtClean="0"/>
-          </a:p>
-          <a:p>
-            <a:r>
-              <a:rPr lang="en-US" altLang="zh-CN" dirty="0" smtClean="0"/>
+            <a:endParaRPr lang="en-US" altLang="zh-CN" dirty="0"/>
+          </a:p>
+          <a:p>
+            <a:r>
+              <a:rPr lang="en-US" altLang="zh-CN" dirty="0"/>
               <a:t>7</a:t>
             </a:r>
             <a:r>
-              <a:rPr lang="zh-CN" altLang="en-US" dirty="0" smtClean="0"/>
+              <a:rPr lang="zh-CN" altLang="en-US" dirty="0"/>
               <a:t>、增加结算单打印功能</a:t>
             </a:r>
-            <a:endParaRPr lang="en-US" altLang="zh-CN" dirty="0" smtClean="0"/>
-          </a:p>
-          <a:p>
-            <a:r>
-              <a:rPr lang="en-US" altLang="zh-CN" dirty="0" smtClean="0"/>
+            <a:endParaRPr lang="en-US" altLang="zh-CN" dirty="0"/>
+          </a:p>
+          <a:p>
+            <a:r>
+              <a:rPr lang="en-US" altLang="zh-CN" dirty="0"/>
               <a:t>8</a:t>
             </a:r>
             <a:r>
-              <a:rPr lang="zh-CN" altLang="en-US" dirty="0" smtClean="0"/>
+              <a:rPr lang="zh-CN" altLang="en-US" dirty="0"/>
               <a:t>、增加定时任务对快过期的储值、卡券、积分提醒，对过期的储值、卡券、积分进行过期设置</a:t>
             </a:r>
-            <a:endParaRPr lang="en-US" altLang="zh-CN" dirty="0" smtClean="0"/>
-          </a:p>
-          <a:p>
-            <a:r>
-              <a:rPr lang="en-US" altLang="zh-CN" dirty="0" smtClean="0"/>
+            <a:endParaRPr lang="en-US" altLang="zh-CN" dirty="0"/>
+          </a:p>
+          <a:p>
+            <a:r>
+              <a:rPr lang="en-US" altLang="zh-CN" dirty="0"/>
               <a:t>9</a:t>
             </a:r>
             <a:r>
-              <a:rPr lang="zh-CN" altLang="en-US" dirty="0" smtClean="0"/>
+              <a:rPr lang="zh-CN" altLang="en-US" dirty="0"/>
               <a:t>、微信端增加了对储值记录及积分记录的显示</a:t>
             </a:r>
             <a:endParaRPr lang="en-US" dirty="0"/>
@@ -6673,7 +6673,7 @@
           <a:lstStyle/>
           <a:p>
             <a:r>
-              <a:rPr lang="zh-CN" altLang="en-US" dirty="0" smtClean="0"/>
+              <a:rPr lang="zh-CN" altLang="en-US" dirty="0"/>
               <a:t>本周工作重点</a:t>
             </a:r>
             <a:endParaRPr lang="en-US" dirty="0"/>
@@ -6696,74 +6696,74 @@
           <a:lstStyle/>
           <a:p>
             <a:r>
-              <a:rPr lang="en-US" altLang="zh-CN" dirty="0" smtClean="0"/>
+              <a:rPr lang="en-US" altLang="zh-CN" dirty="0"/>
               <a:t>1</a:t>
             </a:r>
             <a:r>
-              <a:rPr lang="zh-CN" altLang="en-US" dirty="0" smtClean="0"/>
+              <a:rPr lang="zh-CN" altLang="en-US" dirty="0"/>
               <a:t>、手动筛选即将到期的储值、卡券、积分，手动发送提示消息。</a:t>
             </a:r>
-            <a:endParaRPr lang="en-US" altLang="zh-CN" dirty="0" smtClean="0"/>
-          </a:p>
-          <a:p>
-            <a:r>
-              <a:rPr lang="en-US" altLang="zh-CN" dirty="0" smtClean="0"/>
+            <a:endParaRPr lang="en-US" altLang="zh-CN" dirty="0"/>
+          </a:p>
+          <a:p>
+            <a:r>
+              <a:rPr lang="en-US" altLang="zh-CN" dirty="0"/>
               <a:t>2</a:t>
             </a:r>
             <a:r>
-              <a:rPr lang="zh-CN" altLang="en-US" dirty="0" smtClean="0"/>
+              <a:rPr lang="zh-CN" altLang="en-US" dirty="0"/>
               <a:t>、完善会员升级、会员降级。实现自动升级及系统触发升级</a:t>
             </a:r>
-            <a:endParaRPr lang="en-US" altLang="zh-CN" dirty="0" smtClean="0"/>
-          </a:p>
-          <a:p>
-            <a:r>
-              <a:rPr lang="en-US" altLang="zh-CN" dirty="0" smtClean="0"/>
+            <a:endParaRPr lang="en-US" altLang="zh-CN" dirty="0"/>
+          </a:p>
+          <a:p>
+            <a:r>
+              <a:rPr lang="en-US" altLang="zh-CN" dirty="0"/>
               <a:t>3</a:t>
             </a:r>
             <a:r>
-              <a:rPr lang="zh-CN" altLang="en-US" dirty="0" smtClean="0"/>
+              <a:rPr lang="zh-CN" altLang="en-US" dirty="0"/>
               <a:t>、实现反结算功能，</a:t>
             </a:r>
-            <a:endParaRPr lang="en-US" altLang="zh-CN" dirty="0" smtClean="0"/>
-          </a:p>
-          <a:p>
-            <a:r>
-              <a:rPr lang="en-US" altLang="zh-CN" dirty="0" smtClean="0"/>
+            <a:endParaRPr lang="en-US" altLang="zh-CN" dirty="0"/>
+          </a:p>
+          <a:p>
+            <a:r>
+              <a:rPr lang="en-US" altLang="zh-CN" dirty="0"/>
               <a:t>4</a:t>
             </a:r>
             <a:r>
-              <a:rPr lang="zh-CN" altLang="en-US" dirty="0" smtClean="0"/>
+              <a:rPr lang="zh-CN" altLang="en-US" dirty="0"/>
               <a:t>、完善系统的测试。</a:t>
             </a:r>
-            <a:endParaRPr lang="en-US" altLang="zh-CN" dirty="0" smtClean="0"/>
-          </a:p>
-          <a:p>
-            <a:r>
-              <a:rPr lang="en-US" altLang="zh-CN" dirty="0" smtClean="0"/>
+            <a:endParaRPr lang="en-US" altLang="zh-CN" dirty="0"/>
+          </a:p>
+          <a:p>
+            <a:r>
+              <a:rPr lang="en-US" altLang="zh-CN" dirty="0"/>
               <a:t>5</a:t>
             </a:r>
             <a:r>
-              <a:rPr lang="zh-CN" altLang="en-US" dirty="0" smtClean="0"/>
+              <a:rPr lang="zh-CN" altLang="en-US" dirty="0"/>
               <a:t>、实现权益扣减规则，（如未消费的月数</a:t>
             </a:r>
             <a:r>
-              <a:rPr lang="en-US" altLang="zh-CN" dirty="0" smtClean="0"/>
+              <a:rPr lang="en-US" altLang="zh-CN" dirty="0"/>
               <a:t>&gt;12</a:t>
             </a:r>
             <a:r>
-              <a:rPr lang="zh-CN" altLang="en-US" dirty="0" smtClean="0"/>
+              <a:rPr lang="zh-CN" altLang="en-US" dirty="0"/>
               <a:t>    会员冻结）</a:t>
             </a:r>
-            <a:endParaRPr lang="en-US" altLang="zh-CN" dirty="0" smtClean="0"/>
-          </a:p>
-          <a:p>
-            <a:r>
-              <a:rPr lang="en-US" altLang="zh-CN" dirty="0" smtClean="0"/>
+            <a:endParaRPr lang="en-US" altLang="zh-CN" dirty="0"/>
+          </a:p>
+          <a:p>
+            <a:r>
+              <a:rPr lang="en-US" altLang="zh-CN" dirty="0"/>
               <a:t>6</a:t>
             </a:r>
             <a:r>
-              <a:rPr lang="zh-CN" altLang="en-US" dirty="0" smtClean="0"/>
+              <a:rPr lang="zh-CN" altLang="en-US" dirty="0"/>
               <a:t>、固化参数条件（目前实现那些参数的判断）</a:t>
             </a:r>
             <a:endParaRPr lang="en-US" dirty="0"/>
@@ -6816,7 +6816,7 @@
           <a:lstStyle/>
           <a:p>
             <a:r>
-              <a:rPr lang="zh-CN" altLang="en-US" dirty="0" smtClean="0"/>
+              <a:rPr lang="zh-CN" altLang="en-US" dirty="0"/>
               <a:t>讨论</a:t>
             </a:r>
             <a:endParaRPr lang="en-US" dirty="0"/>
@@ -6836,7 +6836,7 @@
         <p:spPr/>
         <p:txBody>
           <a:bodyPr>
-            <a:normAutofit fontScale="92500" lnSpcReduction="20000"/>
+            <a:normAutofit fontScale="85000" lnSpcReduction="20000"/>
           </a:bodyPr>
           <a:lstStyle/>
           <a:p>
@@ -6858,14 +6858,14 @@
               <a:defRPr/>
             </a:pPr>
             <a:r>
-              <a:rPr lang="en-US" altLang="zh-CN" dirty="0" smtClean="0"/>
+              <a:rPr lang="en-US" altLang="zh-CN" dirty="0"/>
               <a:t>1</a:t>
             </a:r>
             <a:r>
-              <a:rPr lang="zh-CN" altLang="en-US" dirty="0" smtClean="0"/>
+              <a:rPr lang="zh-CN" altLang="en-US" dirty="0"/>
               <a:t>、权益结账</a:t>
             </a:r>
-            <a:endParaRPr lang="en-US" altLang="zh-CN" dirty="0" smtClean="0"/>
+            <a:endParaRPr lang="en-US" altLang="zh-CN" dirty="0"/>
           </a:p>
           <a:p>
             <a:pPr marL="0" marR="0" lvl="0" indent="0" defTabSz="914400" eaLnBrk="1" fontAlgn="auto" latinLnBrk="0" hangingPunct="1">
@@ -6886,14 +6886,14 @@
               <a:defRPr/>
             </a:pPr>
             <a:r>
-              <a:rPr lang="en-US" altLang="zh-CN" dirty="0" smtClean="0"/>
+              <a:rPr lang="en-US" altLang="zh-CN" dirty="0"/>
               <a:t>2</a:t>
             </a:r>
             <a:r>
-              <a:rPr lang="zh-CN" altLang="en-US" dirty="0" smtClean="0"/>
+              <a:rPr lang="zh-CN" altLang="en-US" dirty="0"/>
               <a:t>、报表样式</a:t>
             </a:r>
-            <a:endParaRPr lang="en-US" altLang="zh-CN" dirty="0" smtClean="0"/>
+            <a:endParaRPr lang="en-US" altLang="zh-CN" dirty="0"/>
           </a:p>
           <a:p>
             <a:pPr marL="0" marR="0" lvl="0" indent="0" defTabSz="914400" eaLnBrk="1" fontAlgn="auto" latinLnBrk="0" hangingPunct="1">
@@ -6914,14 +6914,14 @@
               <a:defRPr/>
             </a:pPr>
             <a:r>
-              <a:rPr lang="en-US" altLang="zh-CN" dirty="0" smtClean="0"/>
+              <a:rPr lang="en-US" altLang="zh-CN" dirty="0"/>
               <a:t>3</a:t>
             </a:r>
             <a:r>
-              <a:rPr lang="zh-CN" altLang="en-US" dirty="0" smtClean="0"/>
+              <a:rPr lang="zh-CN" altLang="en-US" dirty="0"/>
               <a:t>、下一步实施计划</a:t>
             </a:r>
-            <a:endParaRPr lang="en-US" altLang="zh-CN" dirty="0" smtClean="0"/>
+            <a:endParaRPr lang="en-US" altLang="zh-CN" dirty="0"/>
           </a:p>
           <a:p>
             <a:pPr marL="0" marR="0" lvl="0" indent="0" defTabSz="914400" eaLnBrk="1" fontAlgn="auto" latinLnBrk="0" hangingPunct="1">
@@ -6942,12 +6942,40 @@
               <a:defRPr/>
             </a:pPr>
             <a:r>
-              <a:rPr lang="en-US" altLang="zh-CN" dirty="0" smtClean="0"/>
+              <a:rPr lang="en-US" altLang="zh-CN" dirty="0"/>
               <a:t>4</a:t>
             </a:r>
             <a:r>
-              <a:rPr lang="zh-CN" altLang="en-US" dirty="0" smtClean="0"/>
+              <a:rPr lang="zh-CN" altLang="en-US" dirty="0"/>
               <a:t>、会员缺失功能整理</a:t>
+            </a:r>
+            <a:endParaRPr lang="en-US" altLang="zh-CN" dirty="0"/>
+          </a:p>
+          <a:p>
+            <a:pPr marL="0" marR="0" lvl="0" indent="0" defTabSz="914400" eaLnBrk="1" fontAlgn="auto" latinLnBrk="0" hangingPunct="1">
+              <a:lnSpc>
+                <a:spcPct val="100000"/>
+              </a:lnSpc>
+              <a:spcBef>
+                <a:spcPts val="0"/>
+              </a:spcBef>
+              <a:spcAft>
+                <a:spcPts val="0"/>
+              </a:spcAft>
+              <a:buClrTx/>
+              <a:buSzTx/>
+              <a:buFontTx/>
+              <a:buNone/>
+              <a:tabLst/>
+              <a:defRPr/>
+            </a:pPr>
+            <a:r>
+              <a:rPr lang="en-US" altLang="zh-CN" dirty="0"/>
+              <a:t>5</a:t>
+            </a:r>
+            <a:r>
+              <a:rPr lang="zh-CN" altLang="en-US" dirty="0"/>
+              <a:t>、等级储值 概念</a:t>
             </a:r>
             <a:endParaRPr lang="en-US" altLang="zh-CN" dirty="0"/>
           </a:p>
@@ -6963,14 +6991,14 @@
               <a:buNone/>
             </a:pPr>
             <a:r>
-              <a:rPr lang="en-US" altLang="zh-CN" dirty="0" smtClean="0"/>
-              <a:t>5</a:t>
-            </a:r>
-            <a:r>
-              <a:rPr lang="zh-CN" altLang="en-US" dirty="0" smtClean="0"/>
+              <a:rPr lang="en-US" altLang="zh-CN" dirty="0"/>
+              <a:t>6</a:t>
+            </a:r>
+            <a:r>
+              <a:rPr lang="zh-CN" altLang="en-US" dirty="0"/>
               <a:t>、固化条件参数  </a:t>
             </a:r>
-            <a:endParaRPr lang="en-US" altLang="zh-CN" dirty="0" smtClean="0"/>
+            <a:endParaRPr lang="en-US" altLang="zh-CN" dirty="0"/>
           </a:p>
           <a:p>
             <a:pPr marL="0" indent="0">
@@ -6984,7 +7012,7 @@
               <a:buNone/>
             </a:pPr>
             <a:r>
-              <a:rPr lang="zh-CN" altLang="en-US" dirty="0" smtClean="0"/>
+              <a:rPr lang="zh-CN" altLang="en-US" dirty="0"/>
               <a:t>累计积分（</a:t>
             </a:r>
             <a:r>
@@ -6992,11 +7020,11 @@
               <a:t> LJJF </a:t>
             </a:r>
             <a:r>
-              <a:rPr lang="zh-CN" altLang="en-US" dirty="0" smtClean="0"/>
+              <a:rPr lang="zh-CN" altLang="en-US" dirty="0"/>
               <a:t>）</a:t>
             </a:r>
             <a:r>
-              <a:rPr lang="en-US" dirty="0" smtClean="0"/>
+              <a:rPr lang="en-US" dirty="0"/>
               <a:t>   </a:t>
             </a:r>
           </a:p>
@@ -7012,27 +7040,19 @@
               <a:buNone/>
             </a:pPr>
             <a:r>
-              <a:rPr lang="zh-CN" altLang="en-US" dirty="0" smtClean="0"/>
-              <a:t>可</a:t>
-            </a:r>
-            <a:r>
               <a:rPr lang="zh-CN" altLang="en-US" dirty="0"/>
-              <a:t>用</a:t>
-            </a:r>
-            <a:r>
-              <a:rPr lang="zh-CN" altLang="en-US" dirty="0" smtClean="0"/>
-              <a:t>积分（</a:t>
+              <a:t>可用积分（</a:t>
             </a:r>
             <a:r>
               <a:rPr lang="en-US" dirty="0"/>
               <a:t> KYJF </a:t>
             </a:r>
             <a:r>
-              <a:rPr lang="zh-CN" altLang="en-US" dirty="0" smtClean="0"/>
+              <a:rPr lang="zh-CN" altLang="en-US" dirty="0"/>
               <a:t>）</a:t>
             </a:r>
             <a:r>
-              <a:rPr lang="en-US" dirty="0" smtClean="0"/>
+              <a:rPr lang="en-US" dirty="0"/>
               <a:t> </a:t>
             </a:r>
           </a:p>
@@ -7048,27 +7068,19 @@
               <a:buNone/>
             </a:pPr>
             <a:r>
-              <a:rPr lang="zh-CN" altLang="en-US" dirty="0" smtClean="0"/>
-              <a:t>本次</a:t>
-            </a:r>
-            <a:r>
               <a:rPr lang="zh-CN" altLang="en-US" dirty="0"/>
-              <a:t>消费总</a:t>
-            </a:r>
-            <a:r>
-              <a:rPr lang="zh-CN" altLang="en-US" dirty="0" smtClean="0"/>
-              <a:t>金额（</a:t>
+              <a:t>本次消费总金额（</a:t>
             </a:r>
             <a:r>
               <a:rPr lang="en-US" dirty="0"/>
               <a:t> BCXFZJE </a:t>
             </a:r>
             <a:r>
-              <a:rPr lang="zh-CN" altLang="en-US" dirty="0" smtClean="0"/>
+              <a:rPr lang="zh-CN" altLang="en-US" dirty="0"/>
               <a:t>）</a:t>
             </a:r>
             <a:r>
-              <a:rPr lang="en-US" dirty="0" smtClean="0"/>
+              <a:rPr lang="en-US" dirty="0"/>
               <a:t> </a:t>
             </a:r>
           </a:p>
@@ -7084,27 +7096,19 @@
               <a:buNone/>
             </a:pPr>
             <a:r>
-              <a:rPr lang="zh-CN" altLang="en-US" dirty="0" smtClean="0"/>
-              <a:t>本次</a:t>
-            </a:r>
-            <a:r>
               <a:rPr lang="zh-CN" altLang="en-US" dirty="0"/>
-              <a:t>消费</a:t>
-            </a:r>
-            <a:r>
-              <a:rPr lang="zh-CN" altLang="en-US" dirty="0" smtClean="0"/>
-              <a:t>工时费（</a:t>
+              <a:t>本次消费工时费（</a:t>
             </a:r>
             <a:r>
               <a:rPr lang="en-US" dirty="0"/>
               <a:t> BCXFGSH </a:t>
             </a:r>
             <a:r>
-              <a:rPr lang="zh-CN" altLang="en-US" dirty="0" smtClean="0"/>
+              <a:rPr lang="zh-CN" altLang="en-US" dirty="0"/>
               <a:t>）</a:t>
             </a:r>
             <a:r>
-              <a:rPr lang="en-US" dirty="0" smtClean="0"/>
+              <a:rPr lang="en-US" dirty="0"/>
               <a:t> </a:t>
             </a:r>
           </a:p>
@@ -7120,27 +7124,19 @@
               <a:buNone/>
             </a:pPr>
             <a:r>
-              <a:rPr lang="zh-CN" altLang="en-US" dirty="0" smtClean="0"/>
-              <a:t>本次</a:t>
-            </a:r>
-            <a:r>
               <a:rPr lang="zh-CN" altLang="en-US" dirty="0"/>
-              <a:t>消费材料</a:t>
-            </a:r>
-            <a:r>
-              <a:rPr lang="zh-CN" altLang="en-US" dirty="0" smtClean="0"/>
-              <a:t>费（</a:t>
+              <a:t>本次消费材料费（</a:t>
             </a:r>
             <a:r>
               <a:rPr lang="en-US" dirty="0"/>
               <a:t> BCXFCLF </a:t>
             </a:r>
             <a:r>
-              <a:rPr lang="zh-CN" altLang="en-US" dirty="0" smtClean="0"/>
+              <a:rPr lang="zh-CN" altLang="en-US" dirty="0"/>
               <a:t>）</a:t>
             </a:r>
             <a:r>
-              <a:rPr lang="en-US" dirty="0" smtClean="0"/>
+              <a:rPr lang="en-US" dirty="0"/>
               <a:t> </a:t>
             </a:r>
           </a:p>
@@ -7156,7 +7152,7 @@
               <a:buNone/>
             </a:pPr>
             <a:r>
-              <a:rPr lang="zh-CN" altLang="en-US" dirty="0" smtClean="0"/>
+              <a:rPr lang="zh-CN" altLang="en-US" dirty="0"/>
               <a:t>累计储值（</a:t>
             </a:r>
             <a:r>
@@ -7164,11 +7160,11 @@
               <a:t> LJCZ </a:t>
             </a:r>
             <a:r>
-              <a:rPr lang="zh-CN" altLang="en-US" dirty="0" smtClean="0"/>
+              <a:rPr lang="zh-CN" altLang="en-US" dirty="0"/>
               <a:t>）</a:t>
             </a:r>
             <a:r>
-              <a:rPr lang="en-US" dirty="0" smtClean="0"/>
+              <a:rPr lang="en-US" dirty="0"/>
               <a:t> </a:t>
             </a:r>
           </a:p>
@@ -7184,27 +7180,19 @@
               <a:buNone/>
             </a:pPr>
             <a:r>
-              <a:rPr lang="zh-CN" altLang="en-US" dirty="0" smtClean="0"/>
-              <a:t>可</a:t>
-            </a:r>
-            <a:r>
               <a:rPr lang="zh-CN" altLang="en-US" dirty="0"/>
-              <a:t>用</a:t>
-            </a:r>
-            <a:r>
-              <a:rPr lang="zh-CN" altLang="en-US" dirty="0" smtClean="0"/>
-              <a:t>储值（</a:t>
+              <a:t>可用储值（</a:t>
             </a:r>
             <a:r>
               <a:rPr lang="en-US" dirty="0"/>
               <a:t> KYCZ </a:t>
             </a:r>
             <a:r>
-              <a:rPr lang="zh-CN" altLang="en-US" dirty="0" smtClean="0"/>
+              <a:rPr lang="zh-CN" altLang="en-US" dirty="0"/>
               <a:t>）</a:t>
             </a:r>
             <a:r>
-              <a:rPr lang="en-US" dirty="0" smtClean="0"/>
+              <a:rPr lang="en-US" dirty="0"/>
               <a:t> </a:t>
             </a:r>
           </a:p>
@@ -7220,7 +7208,7 @@
               <a:buNone/>
             </a:pPr>
             <a:r>
-              <a:rPr lang="zh-CN" altLang="en-US" dirty="0" smtClean="0"/>
+              <a:rPr lang="zh-CN" altLang="en-US" dirty="0"/>
               <a:t>车龄（</a:t>
             </a:r>
             <a:r>
@@ -7228,11 +7216,11 @@
               <a:t> CL </a:t>
             </a:r>
             <a:r>
-              <a:rPr lang="zh-CN" altLang="en-US" dirty="0" smtClean="0"/>
+              <a:rPr lang="zh-CN" altLang="en-US" dirty="0"/>
               <a:t>）</a:t>
             </a:r>
             <a:r>
-              <a:rPr lang="en-US" dirty="0" smtClean="0"/>
+              <a:rPr lang="en-US" dirty="0"/>
               <a:t> </a:t>
             </a:r>
           </a:p>
@@ -7248,26 +7236,18 @@
               <a:buNone/>
             </a:pPr>
             <a:r>
-              <a:rPr lang="zh-CN" altLang="en-US" dirty="0" smtClean="0"/>
-              <a:t>未</a:t>
-            </a:r>
-            <a:r>
               <a:rPr lang="zh-CN" altLang="en-US" dirty="0"/>
-              <a:t>消费</a:t>
-            </a:r>
-            <a:r>
-              <a:rPr lang="zh-CN" altLang="en-US" dirty="0" smtClean="0"/>
-              <a:t>月数（</a:t>
-            </a:r>
-            <a:r>
-              <a:rPr lang="en-US" dirty="0" smtClean="0"/>
+              <a:t>未消费月数（</a:t>
+            </a:r>
+            <a:r>
+              <a:rPr lang="en-US" dirty="0"/>
               <a:t>WXFYS</a:t>
             </a:r>
             <a:r>
-              <a:rPr lang="zh-CN" altLang="en-US" dirty="0" smtClean="0"/>
+              <a:rPr lang="zh-CN" altLang="en-US" dirty="0"/>
               <a:t>）</a:t>
             </a:r>
-            <a:endParaRPr lang="en-US" altLang="zh-CN" dirty="0" smtClean="0"/>
+            <a:endParaRPr lang="en-US" altLang="zh-CN" dirty="0"/>
           </a:p>
           <a:p>
             <a:pPr marL="0" marR="0" lvl="0" indent="0" defTabSz="914400" eaLnBrk="1" fontAlgn="auto" latinLnBrk="0" hangingPunct="1">
